--- a/TALIJA_Presentation.pptx
+++ b/TALIJA_Presentation.pptx
@@ -6667,7 +6667,7 @@
               </a:defRPr>
             </a:pPr>
             <a:r>
-              <a:t>🍇 Vekovna tradicija · 数百年的传统</a:t>
+              <a:t>🍇 Decenijska tradicija · 数十年的传统</a:t>
             </a:r>
           </a:p>
         </p:txBody>
@@ -6703,7 +6703,7 @@
               </a:defRPr>
             </a:pPr>
             <a:r>
-              <a:t>Proizvodnja rakije datira od 14. veka</a:t>
+              <a:t>Porodična proizvodnja rakije kroz generacije</a:t>
             </a:r>
           </a:p>
         </p:txBody>

--- a/TALIJA_Presentation.pptx
+++ b/TALIJA_Presentation.pptx
@@ -9642,7 +9642,7 @@
               </a:defRPr>
             </a:pPr>
             <a:r>
-              <a:t>🍑</a:t>
+              <a:t>🟡</a:t>
             </a:r>
           </a:p>
         </p:txBody>
